--- a/Презентация к проекту.pptx
+++ b/Презентация к проекту.pptx
@@ -1084,7 +1084,7 @@
           <a:p>
             <a:fld id="{572C7C24-A12E-4399-8DD7-25ACE4C0E8C8}" type="datetimeFigureOut">
               <a:rPr lang="ru-RU" smtClean="0"/>
-              <a:t>21.05.2024</a:t>
+              <a:t>24.05.2024</a:t>
             </a:fld>
             <a:endParaRPr lang="ru-RU"/>
           </a:p>
@@ -1335,7 +1335,7 @@
           <a:p>
             <a:fld id="{572C7C24-A12E-4399-8DD7-25ACE4C0E8C8}" type="datetimeFigureOut">
               <a:rPr lang="ru-RU" smtClean="0"/>
-              <a:t>21.05.2024</a:t>
+              <a:t>24.05.2024</a:t>
             </a:fld>
             <a:endParaRPr lang="ru-RU"/>
           </a:p>
@@ -1649,7 +1649,7 @@
           <a:p>
             <a:fld id="{572C7C24-A12E-4399-8DD7-25ACE4C0E8C8}" type="datetimeFigureOut">
               <a:rPr lang="ru-RU" smtClean="0"/>
-              <a:t>21.05.2024</a:t>
+              <a:t>24.05.2024</a:t>
             </a:fld>
             <a:endParaRPr lang="ru-RU"/>
           </a:p>
@@ -1990,7 +1990,7 @@
           <a:p>
             <a:fld id="{572C7C24-A12E-4399-8DD7-25ACE4C0E8C8}" type="datetimeFigureOut">
               <a:rPr lang="ru-RU" smtClean="0"/>
-              <a:t>21.05.2024</a:t>
+              <a:t>24.05.2024</a:t>
             </a:fld>
             <a:endParaRPr lang="ru-RU"/>
           </a:p>
@@ -2304,7 +2304,7 @@
           <a:p>
             <a:fld id="{572C7C24-A12E-4399-8DD7-25ACE4C0E8C8}" type="datetimeFigureOut">
               <a:rPr lang="ru-RU" smtClean="0"/>
-              <a:t>21.05.2024</a:t>
+              <a:t>24.05.2024</a:t>
             </a:fld>
             <a:endParaRPr lang="ru-RU"/>
           </a:p>
@@ -2697,7 +2697,7 @@
           <a:p>
             <a:fld id="{572C7C24-A12E-4399-8DD7-25ACE4C0E8C8}" type="datetimeFigureOut">
               <a:rPr lang="ru-RU" smtClean="0"/>
-              <a:t>21.05.2024</a:t>
+              <a:t>24.05.2024</a:t>
             </a:fld>
             <a:endParaRPr lang="ru-RU"/>
           </a:p>
@@ -2867,7 +2867,7 @@
           <a:p>
             <a:fld id="{572C7C24-A12E-4399-8DD7-25ACE4C0E8C8}" type="datetimeFigureOut">
               <a:rPr lang="ru-RU" smtClean="0"/>
-              <a:t>21.05.2024</a:t>
+              <a:t>24.05.2024</a:t>
             </a:fld>
             <a:endParaRPr lang="ru-RU"/>
           </a:p>
@@ -3047,7 +3047,7 @@
           <a:p>
             <a:fld id="{572C7C24-A12E-4399-8DD7-25ACE4C0E8C8}" type="datetimeFigureOut">
               <a:rPr lang="ru-RU" smtClean="0"/>
-              <a:t>21.05.2024</a:t>
+              <a:t>24.05.2024</a:t>
             </a:fld>
             <a:endParaRPr lang="ru-RU"/>
           </a:p>
@@ -3223,7 +3223,7 @@
           <a:p>
             <a:fld id="{572C7C24-A12E-4399-8DD7-25ACE4C0E8C8}" type="datetimeFigureOut">
               <a:rPr lang="ru-RU" smtClean="0"/>
-              <a:t>21.05.2024</a:t>
+              <a:t>24.05.2024</a:t>
             </a:fld>
             <a:endParaRPr lang="ru-RU"/>
           </a:p>
@@ -3470,7 +3470,7 @@
           <a:p>
             <a:fld id="{572C7C24-A12E-4399-8DD7-25ACE4C0E8C8}" type="datetimeFigureOut">
               <a:rPr lang="ru-RU" smtClean="0"/>
-              <a:t>21.05.2024</a:t>
+              <a:t>24.05.2024</a:t>
             </a:fld>
             <a:endParaRPr lang="ru-RU"/>
           </a:p>
@@ -3702,7 +3702,7 @@
           <a:p>
             <a:fld id="{572C7C24-A12E-4399-8DD7-25ACE4C0E8C8}" type="datetimeFigureOut">
               <a:rPr lang="ru-RU" smtClean="0"/>
-              <a:t>21.05.2024</a:t>
+              <a:t>24.05.2024</a:t>
             </a:fld>
             <a:endParaRPr lang="ru-RU"/>
           </a:p>
@@ -4076,7 +4076,7 @@
           <a:p>
             <a:fld id="{572C7C24-A12E-4399-8DD7-25ACE4C0E8C8}" type="datetimeFigureOut">
               <a:rPr lang="ru-RU" smtClean="0"/>
-              <a:t>21.05.2024</a:t>
+              <a:t>24.05.2024</a:t>
             </a:fld>
             <a:endParaRPr lang="ru-RU"/>
           </a:p>
@@ -4199,7 +4199,7 @@
           <a:p>
             <a:fld id="{572C7C24-A12E-4399-8DD7-25ACE4C0E8C8}" type="datetimeFigureOut">
               <a:rPr lang="ru-RU" smtClean="0"/>
-              <a:t>21.05.2024</a:t>
+              <a:t>24.05.2024</a:t>
             </a:fld>
             <a:endParaRPr lang="ru-RU"/>
           </a:p>
@@ -4294,7 +4294,7 @@
           <a:p>
             <a:fld id="{572C7C24-A12E-4399-8DD7-25ACE4C0E8C8}" type="datetimeFigureOut">
               <a:rPr lang="ru-RU" smtClean="0"/>
-              <a:t>21.05.2024</a:t>
+              <a:t>24.05.2024</a:t>
             </a:fld>
             <a:endParaRPr lang="ru-RU"/>
           </a:p>
@@ -4549,7 +4549,7 @@
           <a:p>
             <a:fld id="{572C7C24-A12E-4399-8DD7-25ACE4C0E8C8}" type="datetimeFigureOut">
               <a:rPr lang="ru-RU" smtClean="0"/>
-              <a:t>21.05.2024</a:t>
+              <a:t>24.05.2024</a:t>
             </a:fld>
             <a:endParaRPr lang="ru-RU"/>
           </a:p>
@@ -4812,7 +4812,7 @@
           <a:p>
             <a:fld id="{572C7C24-A12E-4399-8DD7-25ACE4C0E8C8}" type="datetimeFigureOut">
               <a:rPr lang="ru-RU" smtClean="0"/>
-              <a:t>21.05.2024</a:t>
+              <a:t>24.05.2024</a:t>
             </a:fld>
             <a:endParaRPr lang="ru-RU"/>
           </a:p>
@@ -5555,7 +5555,7 @@
           <a:p>
             <a:fld id="{572C7C24-A12E-4399-8DD7-25ACE4C0E8C8}" type="datetimeFigureOut">
               <a:rPr lang="ru-RU" smtClean="0"/>
-              <a:t>21.05.2024</a:t>
+              <a:t>24.05.2024</a:t>
             </a:fld>
             <a:endParaRPr lang="ru-RU"/>
           </a:p>
@@ -11319,8 +11319,8 @@
         </p:blipFill>
         <p:spPr>
           <a:xfrm>
-            <a:off x="674704" y="760801"/>
-            <a:ext cx="3480046" cy="5087150"/>
+            <a:off x="615730" y="530637"/>
+            <a:ext cx="2582449" cy="3775038"/>
           </a:xfrm>
           <a:prstGeom prst="rect">
             <a:avLst/>
@@ -11341,7 +11341,7 @@
         </p:nvSpPr>
         <p:spPr>
           <a:xfrm>
-            <a:off x="4387788" y="1282369"/>
+            <a:off x="610511" y="4462283"/>
             <a:ext cx="4685191" cy="2246769"/>
           </a:xfrm>
           <a:prstGeom prst="rect">
@@ -11373,6 +11373,94 @@
               <a:rPr lang="ru-RU" sz="2800" dirty="0"/>
               <a:t>!</a:t>
             </a:r>
+          </a:p>
+        </p:txBody>
+      </p:sp>
+      <p:pic>
+        <p:nvPicPr>
+          <p:cNvPr id="3" name="Рисунок 2">
+            <a:extLst>
+              <a:ext uri="{FF2B5EF4-FFF2-40B4-BE49-F238E27FC236}">
+                <a16:creationId xmlns:a16="http://schemas.microsoft.com/office/drawing/2014/main" id="{490F59F5-E133-45B8-9CD7-A76CDE21617D}"/>
+              </a:ext>
+            </a:extLst>
+          </p:cNvPr>
+          <p:cNvPicPr>
+            <a:picLocks noChangeAspect="1"/>
+          </p:cNvPicPr>
+          <p:nvPr/>
+        </p:nvPicPr>
+        <p:blipFill>
+          <a:blip r:embed="rId3">
+            <a:extLst>
+              <a:ext uri="{28A0092B-C50C-407E-A947-70E740481C1C}">
+                <a14:useLocalDpi xmlns:a14="http://schemas.microsoft.com/office/drawing/2010/main" val="0"/>
+              </a:ext>
+            </a:extLst>
+          </a:blip>
+          <a:stretch>
+            <a:fillRect/>
+          </a:stretch>
+        </p:blipFill>
+        <p:spPr>
+          <a:xfrm>
+            <a:off x="5448272" y="557739"/>
+            <a:ext cx="3680590" cy="3747936"/>
+          </a:xfrm>
+          <a:prstGeom prst="rect">
+            <a:avLst/>
+          </a:prstGeom>
+        </p:spPr>
+      </p:pic>
+      <p:sp>
+        <p:nvSpPr>
+          <p:cNvPr id="4" name="TextBox 3">
+            <a:extLst>
+              <a:ext uri="{FF2B5EF4-FFF2-40B4-BE49-F238E27FC236}">
+                <a16:creationId xmlns:a16="http://schemas.microsoft.com/office/drawing/2014/main" id="{E3B68625-CE0C-428D-B2F1-5D20B92B539A}"/>
+              </a:ext>
+            </a:extLst>
+          </p:cNvPr>
+          <p:cNvSpPr txBox="1"/>
+          <p:nvPr/>
+        </p:nvSpPr>
+        <p:spPr>
+          <a:xfrm>
+            <a:off x="5956916" y="4462283"/>
+            <a:ext cx="2663302" cy="1200329"/>
+          </a:xfrm>
+          <a:prstGeom prst="rect">
+            <a:avLst/>
+          </a:prstGeom>
+          <a:noFill/>
+        </p:spPr>
+        <p:txBody>
+          <a:bodyPr wrap="square" rtlCol="0">
+            <a:spAutoFit/>
+          </a:bodyPr>
+          <a:lstStyle/>
+          <a:p>
+            <a:r>
+              <a:rPr lang="en-US" sz="3600" dirty="0">
+                <a:latin typeface="+mj-lt"/>
+              </a:rPr>
+              <a:t>QR </a:t>
+            </a:r>
+            <a:r>
+              <a:rPr lang="ru-RU" sz="3600" dirty="0">
+                <a:latin typeface="+mj-lt"/>
+              </a:rPr>
+              <a:t>на мой </a:t>
+            </a:r>
+            <a:r>
+              <a:rPr lang="en-US" sz="3600" dirty="0">
+                <a:latin typeface="+mj-lt"/>
+              </a:rPr>
+              <a:t>Github</a:t>
+            </a:r>
+            <a:endParaRPr lang="ru-RU" sz="3600" dirty="0">
+              <a:latin typeface="+mj-lt"/>
+            </a:endParaRPr>
           </a:p>
         </p:txBody>
       </p:sp>
